--- a/20230131_DSCB_Discussion.pptx
+++ b/20230131_DSCB_Discussion.pptx
@@ -13133,13 +13133,13 @@
         </p:spPr>
         <p:txBody>
           <a:bodyPr>
-            <a:normAutofit fontScale="90000"/>
+            <a:normAutofit/>
           </a:bodyPr>
           <a:lstStyle/>
           <a:p>
             <a:r>
               <a:rPr lang="en-US" sz="3200" dirty="0"/>
-              <a:t>Make your PI happy, stretch your funding (C.R.E.A.M. – Wu Tang Clan)</a:t>
+              <a:t>C.R.E.A.M. – Wu Tang Clan</a:t>
             </a:r>
           </a:p>
         </p:txBody>
